--- a/doc/internal_meeting_materials/meeting_materials_qdrone_internal_20190205_updated.pptx
+++ b/doc/internal_meeting_materials/meeting_materials_qdrone_internal_20190205_updated.pptx
@@ -12983,6 +12983,169 @@
           <a:p>
             <a:pPr algn="ctr"/>
             <a:endParaRPr lang="en-CA"/>
+          </a:p>
+        </p:txBody>
+      </p:sp>
+      <p:sp>
+        <p:nvSpPr>
+          <p:cNvPr id="3" name="Rectangle 2">
+            <a:extLst>
+              <a:ext uri="{FF2B5EF4-FFF2-40B4-BE49-F238E27FC236}">
+                <a16:creationId xmlns:a16="http://schemas.microsoft.com/office/drawing/2014/main" id="{5626E218-078A-4D8B-A36A-017B27ABA6BE}"/>
+              </a:ext>
+            </a:extLst>
+          </p:cNvPr>
+          <p:cNvSpPr/>
+          <p:nvPr/>
+        </p:nvSpPr>
+        <p:spPr>
+          <a:xfrm>
+            <a:off x="2403987" y="5616925"/>
+            <a:ext cx="4336026" cy="914400"/>
+          </a:xfrm>
+          <a:prstGeom prst="rect">
+            <a:avLst/>
+          </a:prstGeom>
+          <a:noFill/>
+          <a:ln>
+            <a:noFill/>
+          </a:ln>
+        </p:spPr>
+        <p:style>
+          <a:lnRef idx="2">
+            <a:schemeClr val="accent1">
+              <a:shade val="50000"/>
+            </a:schemeClr>
+          </a:lnRef>
+          <a:fillRef idx="1">
+            <a:schemeClr val="accent1"/>
+          </a:fillRef>
+          <a:effectRef idx="0">
+            <a:schemeClr val="accent1"/>
+          </a:effectRef>
+          <a:fontRef idx="minor">
+            <a:schemeClr val="lt1"/>
+          </a:fontRef>
+        </p:style>
+        <p:txBody>
+          <a:bodyPr rtlCol="0" anchor="ctr"/>
+          <a:lstStyle/>
+          <a:p>
+            <a:r>
+              <a:rPr lang="en-CA" sz="1100" b="1" dirty="0">
+                <a:solidFill>
+                  <a:schemeClr val="tx1"/>
+                </a:solidFill>
+                <a:latin typeface="Arial" panose="020B0604020202020204" pitchFamily="34" charset="0"/>
+                <a:cs typeface="Arial" panose="020B0604020202020204" pitchFamily="34" charset="0"/>
+              </a:rPr>
+              <a:t>Payload</a:t>
+            </a:r>
+          </a:p>
+          <a:p>
+            <a:r>
+              <a:rPr lang="en-CA" sz="1100" dirty="0">
+                <a:solidFill>
+                  <a:schemeClr val="tx1"/>
+                </a:solidFill>
+                <a:latin typeface="Arial" panose="020B0604020202020204" pitchFamily="34" charset="0"/>
+                <a:cs typeface="Arial" panose="020B0604020202020204" pitchFamily="34" charset="0"/>
+              </a:rPr>
+              <a:t>  ● Positioning sensor: </a:t>
+            </a:r>
+            <a:r>
+              <a:rPr lang="en-CA" sz="1100" dirty="0" err="1">
+                <a:solidFill>
+                  <a:schemeClr val="tx1"/>
+                </a:solidFill>
+                <a:latin typeface="Arial" panose="020B0604020202020204" pitchFamily="34" charset="0"/>
+                <a:cs typeface="Arial" panose="020B0604020202020204" pitchFamily="34" charset="0"/>
+              </a:rPr>
+              <a:t>Pozyx</a:t>
+            </a:r>
+            <a:r>
+              <a:rPr lang="en-CA" sz="1100" dirty="0">
+                <a:solidFill>
+                  <a:schemeClr val="tx1"/>
+                </a:solidFill>
+                <a:latin typeface="Arial" panose="020B0604020202020204" pitchFamily="34" charset="0"/>
+                <a:cs typeface="Arial" panose="020B0604020202020204" pitchFamily="34" charset="0"/>
+              </a:rPr>
+              <a:t> / Spatial / DJI-RTK </a:t>
+            </a:r>
+          </a:p>
+          <a:p>
+            <a:r>
+              <a:rPr lang="en-CA" sz="1100" dirty="0">
+                <a:solidFill>
+                  <a:schemeClr val="tx1"/>
+                </a:solidFill>
+                <a:latin typeface="Arial" panose="020B0604020202020204" pitchFamily="34" charset="0"/>
+                <a:cs typeface="Arial" panose="020B0604020202020204" pitchFamily="34" charset="0"/>
+              </a:rPr>
+              <a:t>  ● Imaging sensor: ZED stereo / FLIR Duo R / Sony A7III</a:t>
+            </a:r>
+          </a:p>
+          <a:p>
+            <a:r>
+              <a:rPr lang="en-CA" sz="1100" dirty="0">
+                <a:solidFill>
+                  <a:schemeClr val="tx1"/>
+                </a:solidFill>
+                <a:latin typeface="Arial" panose="020B0604020202020204" pitchFamily="34" charset="0"/>
+                <a:cs typeface="Arial" panose="020B0604020202020204" pitchFamily="34" charset="0"/>
+              </a:rPr>
+              <a:t>  ● </a:t>
+            </a:r>
+            <a:r>
+              <a:rPr lang="en-CA" sz="1100" dirty="0" err="1">
+                <a:solidFill>
+                  <a:schemeClr val="tx1"/>
+                </a:solidFill>
+                <a:latin typeface="Arial" panose="020B0604020202020204" pitchFamily="34" charset="0"/>
+                <a:cs typeface="Arial" panose="020B0604020202020204" pitchFamily="34" charset="0"/>
+              </a:rPr>
+              <a:t>Velodyne</a:t>
+            </a:r>
+            <a:r>
+              <a:rPr lang="en-CA" sz="1100" dirty="0">
+                <a:solidFill>
+                  <a:schemeClr val="tx1"/>
+                </a:solidFill>
+                <a:latin typeface="Arial" panose="020B0604020202020204" pitchFamily="34" charset="0"/>
+                <a:cs typeface="Arial" panose="020B0604020202020204" pitchFamily="34" charset="0"/>
+              </a:rPr>
+              <a:t> </a:t>
+            </a:r>
+            <a:r>
+              <a:rPr lang="en-CA" sz="1100" dirty="0" err="1">
+                <a:solidFill>
+                  <a:schemeClr val="tx1"/>
+                </a:solidFill>
+                <a:latin typeface="Arial" panose="020B0604020202020204" pitchFamily="34" charset="0"/>
+                <a:cs typeface="Arial" panose="020B0604020202020204" pitchFamily="34" charset="0"/>
+              </a:rPr>
+              <a:t>LiDARs</a:t>
+            </a:r>
+            <a:r>
+              <a:rPr lang="en-CA" sz="1100" dirty="0">
+                <a:solidFill>
+                  <a:schemeClr val="tx1"/>
+                </a:solidFill>
+                <a:latin typeface="Arial" panose="020B0604020202020204" pitchFamily="34" charset="0"/>
+                <a:cs typeface="Arial" panose="020B0604020202020204" pitchFamily="34" charset="0"/>
+              </a:rPr>
+              <a:t>: Puck LITE / Puck Hi-Res / HDL-32E</a:t>
+            </a:r>
+          </a:p>
+          <a:p>
+            <a:endParaRPr lang="en-CA" sz="1100" dirty="0">
+              <a:solidFill>
+                <a:schemeClr val="tx1"/>
+              </a:solidFill>
+              <a:latin typeface="Arial" panose="020B0604020202020204" pitchFamily="34" charset="0"/>
+              <a:cs typeface="Arial" panose="020B0604020202020204" pitchFamily="34" charset="0"/>
+            </a:endParaRPr>
           </a:p>
         </p:txBody>
       </p:sp>
